--- a/Chunk List/Presentation/Chunk List.pptx
+++ b/Chunk List/Presentation/Chunk List.pptx
@@ -254,7 +254,7 @@
           <a:p>
             <a:fld id="{784AA43A-3F76-4A13-9CD6-36134EB429E3}" type="datetimeFigureOut">
               <a:rPr lang="en-US"/>
-              <a:t>5/7/2017</a:t>
+              <a:t>11/2/2017</a:t>
             </a:fld>
             <a:endParaRPr/>
           </a:p>
@@ -419,7 +419,7 @@
           <a:p>
             <a:fld id="{5F674A4F-2B7A-4ECB-A400-260B2FFC03C1}" type="datetimeFigureOut">
               <a:rPr lang="en-US"/>
-              <a:t>5/7/2017</a:t>
+              <a:t>11/2/2017</a:t>
             </a:fld>
             <a:endParaRPr/>
           </a:p>
@@ -882,7 +882,7 @@
           <a:p>
             <a:fld id="{ED50D12D-207B-4AA0-8AE1-9FB32A269769}" type="datetimeFigureOut">
               <a:rPr lang="en-US" smtClean="0"/>
-              <a:t>5/7/2017</a:t>
+              <a:t>11/2/2017</a:t>
             </a:fld>
             <a:endParaRPr lang="en-US"/>
           </a:p>
@@ -1130,7 +1130,7 @@
           <a:p>
             <a:fld id="{9AFE8FB1-0A7A-443E-AAF7-31D4FA1AA312}" type="datetimeFigureOut">
               <a:rPr lang="en-US" smtClean="0"/>
-              <a:t>5/7/2017</a:t>
+              <a:t>11/2/2017</a:t>
             </a:fld>
             <a:endParaRPr lang="en-US"/>
           </a:p>
@@ -1329,7 +1329,7 @@
           <a:p>
             <a:fld id="{9AFE8FB1-0A7A-443E-AAF7-31D4FA1AA312}" type="datetimeFigureOut">
               <a:rPr lang="en-US" smtClean="0"/>
-              <a:t>5/7/2017</a:t>
+              <a:t>11/2/2017</a:t>
             </a:fld>
             <a:endParaRPr lang="en-US"/>
           </a:p>
@@ -1523,7 +1523,7 @@
           <a:p>
             <a:fld id="{9AFE8FB1-0A7A-443E-AAF7-31D4FA1AA312}" type="datetimeFigureOut">
               <a:rPr lang="en-US" smtClean="0"/>
-              <a:t>5/7/2017</a:t>
+              <a:t>11/2/2017</a:t>
             </a:fld>
             <a:endParaRPr lang="en-US"/>
           </a:p>
@@ -1833,7 +1833,7 @@
           <a:p>
             <a:fld id="{9AFE8FB1-0A7A-443E-AAF7-31D4FA1AA312}" type="datetimeFigureOut">
               <a:rPr lang="en-US" smtClean="0"/>
-              <a:t>5/7/2017</a:t>
+              <a:t>11/2/2017</a:t>
             </a:fld>
             <a:endParaRPr lang="en-US"/>
           </a:p>
@@ -2183,7 +2183,7 @@
           <a:p>
             <a:fld id="{9AFE8FB1-0A7A-443E-AAF7-31D4FA1AA312}" type="datetimeFigureOut">
               <a:rPr lang="en-US" smtClean="0"/>
-              <a:t>5/7/2017</a:t>
+              <a:t>11/2/2017</a:t>
             </a:fld>
             <a:endParaRPr lang="en-US"/>
           </a:p>
@@ -2614,7 +2614,7 @@
           <a:p>
             <a:fld id="{9AFE8FB1-0A7A-443E-AAF7-31D4FA1AA312}" type="datetimeFigureOut">
               <a:rPr lang="en-US" smtClean="0"/>
-              <a:t>5/7/2017</a:t>
+              <a:t>11/2/2017</a:t>
             </a:fld>
             <a:endParaRPr lang="en-US"/>
           </a:p>
@@ -2751,7 +2751,7 @@
           <a:p>
             <a:fld id="{9AFE8FB1-0A7A-443E-AAF7-31D4FA1AA312}" type="datetimeFigureOut">
               <a:rPr lang="en-US" smtClean="0"/>
-              <a:t>5/7/2017</a:t>
+              <a:t>11/2/2017</a:t>
             </a:fld>
             <a:endParaRPr lang="en-US"/>
           </a:p>
@@ -2865,7 +2865,7 @@
           <a:p>
             <a:fld id="{9AFE8FB1-0A7A-443E-AAF7-31D4FA1AA312}" type="datetimeFigureOut">
               <a:rPr lang="en-US" smtClean="0"/>
-              <a:t>5/7/2017</a:t>
+              <a:t>11/2/2017</a:t>
             </a:fld>
             <a:endParaRPr lang="en-US"/>
           </a:p>
@@ -3171,7 +3171,7 @@
           <a:p>
             <a:fld id="{9AFE8FB1-0A7A-443E-AAF7-31D4FA1AA312}" type="datetimeFigureOut">
               <a:rPr lang="en-US" smtClean="0"/>
-              <a:t>5/7/2017</a:t>
+              <a:t>11/2/2017</a:t>
             </a:fld>
             <a:endParaRPr lang="en-US"/>
           </a:p>
@@ -3467,7 +3467,7 @@
           <a:p>
             <a:fld id="{9AFE8FB1-0A7A-443E-AAF7-31D4FA1AA312}" type="datetimeFigureOut">
               <a:rPr lang="en-US" smtClean="0"/>
-              <a:t>5/7/2017</a:t>
+              <a:t>11/2/2017</a:t>
             </a:fld>
             <a:endParaRPr lang="en-US"/>
           </a:p>
@@ -3738,7 +3738,7 @@
             <a:fld id="{9AFE8FB1-0A7A-443E-AAF7-31D4FA1AA312}" type="datetimeFigureOut">
               <a:rPr lang="en-US" smtClean="0"/>
               <a:pPr/>
-              <a:t>5/7/2017</a:t>
+              <a:t>11/2/2017</a:t>
             </a:fld>
             <a:endParaRPr lang="en-US" dirty="0"/>
           </a:p>
@@ -6644,7 +6644,19 @@
           <a:p>
             <a:r>
               <a:rPr lang="en-US" dirty="0" smtClean="0"/>
-              <a:t>For this example, I simply used the search method implemented within C#’s List class, which follows the following rules:</a:t>
+              <a:t>For this example, I simply used </a:t>
+            </a:r>
+            <a:r>
+              <a:rPr lang="en-US" smtClean="0"/>
+              <a:t>the </a:t>
+            </a:r>
+            <a:r>
+              <a:rPr lang="en-US" smtClean="0"/>
+              <a:t>sort </a:t>
+            </a:r>
+            <a:r>
+              <a:rPr lang="en-US" dirty="0" smtClean="0"/>
+              <a:t>method implemented within C#’s List class, which follows the following rules:</a:t>
             </a:r>
           </a:p>
           <a:p>
@@ -9418,11 +9430,7 @@
           <a:p>
             <a:r>
               <a:rPr lang="en-US" dirty="0" smtClean="0"/>
-              <a:t>Time complexities are listed for each method</a:t>
-            </a:r>
-            <a:r>
-              <a:rPr lang="en-US" dirty="0" smtClean="0"/>
-              <a:t>.</a:t>
+              <a:t>Time complexities are listed for each method.</a:t>
             </a:r>
           </a:p>
           <a:p>
